--- a/git_github/처음에 해야하는 것/Process.pptx
+++ b/git_github/처음에 해야하는 것/Process.pptx
@@ -112,6 +112,11 @@
       </a:defRPr>
     </a:lvl9pPr>
   </p:defaultTextStyle>
+  <p:extLst>
+    <p:ext uri="{EFAFB233-063F-42B5-8137-9DF3F51BA10A}">
+      <p15:sldGuideLst xmlns:p15="http://schemas.microsoft.com/office/powerpoint/2012/main"/>
+    </p:ext>
+  </p:extLst>
 </p:presentation>
 </file>
 
@@ -4396,10 +4401,10 @@
       </p:grpSpPr>
       <p:pic>
         <p:nvPicPr>
-          <p:cNvPr id="3" name="그림 2">
-            <a:extLst>
-              <a:ext uri="{FF2B5EF4-FFF2-40B4-BE49-F238E27FC236}">
-                <a16:creationId xmlns:a16="http://schemas.microsoft.com/office/drawing/2014/main" id="{DDF70027-CEEA-4B4C-BE07-67A16930C5D2}"/>
+          <p:cNvPr id="5" name="그림 4">
+            <a:extLst>
+              <a:ext uri="{FF2B5EF4-FFF2-40B4-BE49-F238E27FC236}">
+                <a16:creationId xmlns:a16="http://schemas.microsoft.com/office/drawing/2014/main" id="{3813D229-0D4A-49A1-B4BE-C0649C2C5A0F}"/>
               </a:ext>
             </a:extLst>
           </p:cNvPr>
@@ -4445,7 +4450,7 @@
         <p:spPr>
           <a:xfrm>
             <a:off x="7968342" y="6211669"/>
-            <a:ext cx="4223658" cy="369332"/>
+            <a:ext cx="4223658" cy="646331"/>
           </a:xfrm>
           <a:prstGeom prst="rect">
             <a:avLst/>
@@ -4460,7 +4465,15 @@
           <a:p>
             <a:r>
               <a:rPr lang="en-US" altLang="ko-KR" dirty="0"/>
-              <a:t>git clone &lt;</a:t>
+              <a:t>git clone –b &lt;</a:t>
+            </a:r>
+            <a:r>
+              <a:rPr lang="ko-KR" altLang="en-US" dirty="0"/>
+              <a:t>자신의 이름</a:t>
+            </a:r>
+            <a:r>
+              <a:rPr lang="en-US" altLang="ko-KR"/>
+              <a:t>&gt; &lt;</a:t>
             </a:r>
             <a:r>
               <a:rPr lang="ko-KR" altLang="en-US" dirty="0"/>
